--- a/1. PAC 2.pptx
+++ b/1. PAC 2.pptx
@@ -6594,6 +6594,36 @@
           </a:p>
         </p:txBody>
       </p:sp>
+      <p:pic>
+        <p:nvPicPr>
+          <p:cNvPr id="3" name="Picture 2">
+            <a:extLst>
+              <a:ext uri="{FF2B5EF4-FFF2-40B4-BE49-F238E27FC236}">
+                <a16:creationId xmlns:a16="http://schemas.microsoft.com/office/drawing/2014/main" id="{69477666-306F-E4D2-C1E6-F22800DA543F}"/>
+              </a:ext>
+            </a:extLst>
+          </p:cNvPr>
+          <p:cNvPicPr>
+            <a:picLocks noChangeAspect="1"/>
+          </p:cNvPicPr>
+          <p:nvPr/>
+        </p:nvPicPr>
+        <p:blipFill>
+          <a:blip r:embed="rId4"/>
+          <a:stretch>
+            <a:fillRect/>
+          </a:stretch>
+        </p:blipFill>
+        <p:spPr>
+          <a:xfrm>
+            <a:off x="851698" y="1776549"/>
+            <a:ext cx="6044774" cy="2784891"/>
+          </a:xfrm>
+          <a:prstGeom prst="rect">
+            <a:avLst/>
+          </a:prstGeom>
+        </p:spPr>
+      </p:pic>
     </p:spTree>
     <p:extLst>
       <p:ext uri="{BB962C8B-B14F-4D97-AF65-F5344CB8AC3E}">
@@ -6680,7 +6710,7 @@
         <p:spPr>
           <a:xfrm>
             <a:off x="772475" y="1066800"/>
-            <a:ext cx="4675826" cy="3761232"/>
+            <a:ext cx="4828878" cy="3761232"/>
           </a:xfrm>
           <a:prstGeom prst="rect">
             <a:avLst/>
@@ -6845,7 +6875,7 @@
             </a:pPr>
             <a:r>
               <a:rPr lang="ca-ES" dirty="0"/>
-              <a:t>El tipus de dades a representar es generalment qualitatiu com quantitatiu.</a:t>
+              <a:t>El tipus de dades a representar es generalment qualitatiu.</a:t>
             </a:r>
           </a:p>
           <a:p>
